--- a/AWS Lambda Function.pptx
+++ b/AWS Lambda Function.pptx
@@ -851,7 +851,7 @@
             <a:fld id="{B61BEF0D-F0BB-DE4B-95CE-6DB70DBA9567}" type="datetimeFigureOut">
               <a:rPr lang="en-US" dirty="0"/>
               <a:pPr/>
-              <a:t>8/24/2020</a:t>
+              <a:t>8/26/2020</a:t>
             </a:fld>
             <a:endParaRPr lang="en-US" dirty="0"/>
           </a:p>
@@ -1099,7 +1099,7 @@
             <a:fld id="{B61BEF0D-F0BB-DE4B-95CE-6DB70DBA9567}" type="datetimeFigureOut">
               <a:rPr lang="en-US" dirty="0"/>
               <a:pPr/>
-              <a:t>8/24/2020</a:t>
+              <a:t>8/26/2020</a:t>
             </a:fld>
             <a:endParaRPr lang="en-US" dirty="0"/>
           </a:p>
@@ -1410,7 +1410,7 @@
             <a:fld id="{B61BEF0D-F0BB-DE4B-95CE-6DB70DBA9567}" type="datetimeFigureOut">
               <a:rPr lang="en-US" dirty="0"/>
               <a:pPr/>
-              <a:t>8/24/2020</a:t>
+              <a:t>8/26/2020</a:t>
             </a:fld>
             <a:endParaRPr lang="en-US" dirty="0"/>
           </a:p>
@@ -1748,7 +1748,7 @@
             <a:fld id="{B61BEF0D-F0BB-DE4B-95CE-6DB70DBA9567}" type="datetimeFigureOut">
               <a:rPr lang="en-US" dirty="0"/>
               <a:pPr/>
-              <a:t>8/24/2020</a:t>
+              <a:t>8/26/2020</a:t>
             </a:fld>
             <a:endParaRPr lang="en-US" dirty="0"/>
           </a:p>
@@ -2059,7 +2059,7 @@
             <a:fld id="{B61BEF0D-F0BB-DE4B-95CE-6DB70DBA9567}" type="datetimeFigureOut">
               <a:rPr lang="en-US" dirty="0"/>
               <a:pPr/>
-              <a:t>8/24/2020</a:t>
+              <a:t>8/26/2020</a:t>
             </a:fld>
             <a:endParaRPr lang="en-US" dirty="0"/>
           </a:p>
@@ -2449,7 +2449,7 @@
             <a:fld id="{B61BEF0D-F0BB-DE4B-95CE-6DB70DBA9567}" type="datetimeFigureOut">
               <a:rPr lang="en-US" dirty="0"/>
               <a:pPr/>
-              <a:t>8/24/2020</a:t>
+              <a:t>8/26/2020</a:t>
             </a:fld>
             <a:endParaRPr lang="en-US" dirty="0"/>
           </a:p>
@@ -2615,7 +2615,7 @@
           <a:p>
             <a:fld id="{55C6B4A9-1611-4792-9094-5F34BCA07E0B}" type="datetimeFigureOut">
               <a:rPr lang="en-US" dirty="0"/>
-              <a:t>8/24/2020</a:t>
+              <a:t>8/26/2020</a:t>
             </a:fld>
             <a:endParaRPr lang="en-US" dirty="0"/>
           </a:p>
@@ -2791,7 +2791,7 @@
             <a:fld id="{B61BEF0D-F0BB-DE4B-95CE-6DB70DBA9567}" type="datetimeFigureOut">
               <a:rPr lang="en-US" dirty="0"/>
               <a:pPr/>
-              <a:t>8/24/2020</a:t>
+              <a:t>8/26/2020</a:t>
             </a:fld>
             <a:endParaRPr lang="en-US" dirty="0"/>
           </a:p>
@@ -2964,7 +2964,7 @@
             <a:fld id="{B61BEF0D-F0BB-DE4B-95CE-6DB70DBA9567}" type="datetimeFigureOut">
               <a:rPr lang="en-US" dirty="0"/>
               <a:pPr/>
-              <a:t>8/24/2020</a:t>
+              <a:t>8/26/2020</a:t>
             </a:fld>
             <a:endParaRPr lang="en-US" dirty="0"/>
           </a:p>
@@ -3208,7 +3208,7 @@
             <a:fld id="{B61BEF0D-F0BB-DE4B-95CE-6DB70DBA9567}" type="datetimeFigureOut">
               <a:rPr lang="en-US" dirty="0"/>
               <a:pPr/>
-              <a:t>8/24/2020</a:t>
+              <a:t>8/26/2020</a:t>
             </a:fld>
             <a:endParaRPr lang="en-US" dirty="0"/>
           </a:p>
@@ -3436,7 +3436,7 @@
           <a:p>
             <a:fld id="{EB712588-04B1-427B-82EE-E8DB90309F08}" type="datetimeFigureOut">
               <a:rPr lang="en-US" dirty="0"/>
-              <a:t>8/24/2020</a:t>
+              <a:t>8/26/2020</a:t>
             </a:fld>
             <a:endParaRPr lang="en-US" dirty="0"/>
           </a:p>
@@ -3806,7 +3806,7 @@
             <a:fld id="{B61BEF0D-F0BB-DE4B-95CE-6DB70DBA9567}" type="datetimeFigureOut">
               <a:rPr lang="en-US" dirty="0"/>
               <a:pPr/>
-              <a:t>8/24/2020</a:t>
+              <a:t>8/26/2020</a:t>
             </a:fld>
             <a:endParaRPr lang="en-US" dirty="0"/>
           </a:p>
@@ -3926,7 +3926,7 @@
             <a:fld id="{B61BEF0D-F0BB-DE4B-95CE-6DB70DBA9567}" type="datetimeFigureOut">
               <a:rPr lang="en-US" dirty="0"/>
               <a:pPr/>
-              <a:t>8/24/2020</a:t>
+              <a:t>8/26/2020</a:t>
             </a:fld>
             <a:endParaRPr lang="en-US" dirty="0"/>
           </a:p>
@@ -4018,7 +4018,7 @@
             <a:fld id="{B61BEF0D-F0BB-DE4B-95CE-6DB70DBA9567}" type="datetimeFigureOut">
               <a:rPr lang="en-US" dirty="0"/>
               <a:pPr/>
-              <a:t>8/24/2020</a:t>
+              <a:t>8/26/2020</a:t>
             </a:fld>
             <a:endParaRPr lang="en-US" dirty="0"/>
           </a:p>
@@ -4269,7 +4269,7 @@
           <a:p>
             <a:fld id="{42A54C80-263E-416B-A8E0-580EDEADCBDC}" type="datetimeFigureOut">
               <a:rPr lang="en-US" dirty="0"/>
-              <a:t>8/24/2020</a:t>
+              <a:t>8/26/2020</a:t>
             </a:fld>
             <a:endParaRPr lang="en-US" dirty="0"/>
           </a:p>
@@ -4528,7 +4528,7 @@
             <a:fld id="{B61BEF0D-F0BB-DE4B-95CE-6DB70DBA9567}" type="datetimeFigureOut">
               <a:rPr lang="en-US" dirty="0"/>
               <a:pPr/>
-              <a:t>8/24/2020</a:t>
+              <a:t>8/26/2020</a:t>
             </a:fld>
             <a:endParaRPr lang="en-US" dirty="0"/>
           </a:p>
@@ -5268,7 +5268,7 @@
             <a:fld id="{B61BEF0D-F0BB-DE4B-95CE-6DB70DBA9567}" type="datetimeFigureOut">
               <a:rPr lang="en-US" dirty="0"/>
               <a:pPr/>
-              <a:t>8/24/2020</a:t>
+              <a:t>8/26/2020</a:t>
             </a:fld>
             <a:endParaRPr lang="en-US" dirty="0"/>
           </a:p>
@@ -6791,7 +6791,13 @@
           <a:bodyPr/>
           <a:lstStyle/>
           <a:p>
-            <a:endParaRPr lang="en-US"/>
+            <a:r>
+              <a:rPr lang="en-US" dirty="0">
+                <a:hlinkClick r:id="rId2"/>
+              </a:rPr>
+              <a:t>https://github.com/thangtran76/lambda-function</a:t>
+            </a:r>
+            <a:endParaRPr lang="en-US" dirty="0"/>
           </a:p>
         </p:txBody>
       </p:sp>
@@ -7295,11 +7301,7 @@
             </a:r>
             <a:r>
               <a:rPr lang="en-US" dirty="0" smtClean="0"/>
-              <a:t>/await </a:t>
-            </a:r>
-            <a:r>
-              <a:rPr lang="en-US" dirty="0" smtClean="0"/>
-              <a:t>in Node.js and .NET Core</a:t>
+              <a:t>/await in Node.js and .NET Core</a:t>
             </a:r>
             <a:endParaRPr lang="en-US" dirty="0"/>
           </a:p>

--- a/AWS Lambda Function.pptx
+++ b/AWS Lambda Function.pptx
@@ -851,7 +851,7 @@
             <a:fld id="{B61BEF0D-F0BB-DE4B-95CE-6DB70DBA9567}" type="datetimeFigureOut">
               <a:rPr lang="en-US" dirty="0"/>
               <a:pPr/>
-              <a:t>8/26/2020</a:t>
+              <a:t>8/28/2020</a:t>
             </a:fld>
             <a:endParaRPr lang="en-US" dirty="0"/>
           </a:p>
@@ -1099,7 +1099,7 @@
             <a:fld id="{B61BEF0D-F0BB-DE4B-95CE-6DB70DBA9567}" type="datetimeFigureOut">
               <a:rPr lang="en-US" dirty="0"/>
               <a:pPr/>
-              <a:t>8/26/2020</a:t>
+              <a:t>8/28/2020</a:t>
             </a:fld>
             <a:endParaRPr lang="en-US" dirty="0"/>
           </a:p>
@@ -1410,7 +1410,7 @@
             <a:fld id="{B61BEF0D-F0BB-DE4B-95CE-6DB70DBA9567}" type="datetimeFigureOut">
               <a:rPr lang="en-US" dirty="0"/>
               <a:pPr/>
-              <a:t>8/26/2020</a:t>
+              <a:t>8/28/2020</a:t>
             </a:fld>
             <a:endParaRPr lang="en-US" dirty="0"/>
           </a:p>
@@ -1748,7 +1748,7 @@
             <a:fld id="{B61BEF0D-F0BB-DE4B-95CE-6DB70DBA9567}" type="datetimeFigureOut">
               <a:rPr lang="en-US" dirty="0"/>
               <a:pPr/>
-              <a:t>8/26/2020</a:t>
+              <a:t>8/28/2020</a:t>
             </a:fld>
             <a:endParaRPr lang="en-US" dirty="0"/>
           </a:p>
@@ -2059,7 +2059,7 @@
             <a:fld id="{B61BEF0D-F0BB-DE4B-95CE-6DB70DBA9567}" type="datetimeFigureOut">
               <a:rPr lang="en-US" dirty="0"/>
               <a:pPr/>
-              <a:t>8/26/2020</a:t>
+              <a:t>8/28/2020</a:t>
             </a:fld>
             <a:endParaRPr lang="en-US" dirty="0"/>
           </a:p>
@@ -2449,7 +2449,7 @@
             <a:fld id="{B61BEF0D-F0BB-DE4B-95CE-6DB70DBA9567}" type="datetimeFigureOut">
               <a:rPr lang="en-US" dirty="0"/>
               <a:pPr/>
-              <a:t>8/26/2020</a:t>
+              <a:t>8/28/2020</a:t>
             </a:fld>
             <a:endParaRPr lang="en-US" dirty="0"/>
           </a:p>
@@ -2615,7 +2615,7 @@
           <a:p>
             <a:fld id="{55C6B4A9-1611-4792-9094-5F34BCA07E0B}" type="datetimeFigureOut">
               <a:rPr lang="en-US" dirty="0"/>
-              <a:t>8/26/2020</a:t>
+              <a:t>8/28/2020</a:t>
             </a:fld>
             <a:endParaRPr lang="en-US" dirty="0"/>
           </a:p>
@@ -2791,7 +2791,7 @@
             <a:fld id="{B61BEF0D-F0BB-DE4B-95CE-6DB70DBA9567}" type="datetimeFigureOut">
               <a:rPr lang="en-US" dirty="0"/>
               <a:pPr/>
-              <a:t>8/26/2020</a:t>
+              <a:t>8/28/2020</a:t>
             </a:fld>
             <a:endParaRPr lang="en-US" dirty="0"/>
           </a:p>
@@ -2964,7 +2964,7 @@
             <a:fld id="{B61BEF0D-F0BB-DE4B-95CE-6DB70DBA9567}" type="datetimeFigureOut">
               <a:rPr lang="en-US" dirty="0"/>
               <a:pPr/>
-              <a:t>8/26/2020</a:t>
+              <a:t>8/28/2020</a:t>
             </a:fld>
             <a:endParaRPr lang="en-US" dirty="0"/>
           </a:p>
@@ -3208,7 +3208,7 @@
             <a:fld id="{B61BEF0D-F0BB-DE4B-95CE-6DB70DBA9567}" type="datetimeFigureOut">
               <a:rPr lang="en-US" dirty="0"/>
               <a:pPr/>
-              <a:t>8/26/2020</a:t>
+              <a:t>8/28/2020</a:t>
             </a:fld>
             <a:endParaRPr lang="en-US" dirty="0"/>
           </a:p>
@@ -3436,7 +3436,7 @@
           <a:p>
             <a:fld id="{EB712588-04B1-427B-82EE-E8DB90309F08}" type="datetimeFigureOut">
               <a:rPr lang="en-US" dirty="0"/>
-              <a:t>8/26/2020</a:t>
+              <a:t>8/28/2020</a:t>
             </a:fld>
             <a:endParaRPr lang="en-US" dirty="0"/>
           </a:p>
@@ -3806,7 +3806,7 @@
             <a:fld id="{B61BEF0D-F0BB-DE4B-95CE-6DB70DBA9567}" type="datetimeFigureOut">
               <a:rPr lang="en-US" dirty="0"/>
               <a:pPr/>
-              <a:t>8/26/2020</a:t>
+              <a:t>8/28/2020</a:t>
             </a:fld>
             <a:endParaRPr lang="en-US" dirty="0"/>
           </a:p>
@@ -3926,7 +3926,7 @@
             <a:fld id="{B61BEF0D-F0BB-DE4B-95CE-6DB70DBA9567}" type="datetimeFigureOut">
               <a:rPr lang="en-US" dirty="0"/>
               <a:pPr/>
-              <a:t>8/26/2020</a:t>
+              <a:t>8/28/2020</a:t>
             </a:fld>
             <a:endParaRPr lang="en-US" dirty="0"/>
           </a:p>
@@ -4018,7 +4018,7 @@
             <a:fld id="{B61BEF0D-F0BB-DE4B-95CE-6DB70DBA9567}" type="datetimeFigureOut">
               <a:rPr lang="en-US" dirty="0"/>
               <a:pPr/>
-              <a:t>8/26/2020</a:t>
+              <a:t>8/28/2020</a:t>
             </a:fld>
             <a:endParaRPr lang="en-US" dirty="0"/>
           </a:p>
@@ -4269,7 +4269,7 @@
           <a:p>
             <a:fld id="{42A54C80-263E-416B-A8E0-580EDEADCBDC}" type="datetimeFigureOut">
               <a:rPr lang="en-US" dirty="0"/>
-              <a:t>8/26/2020</a:t>
+              <a:t>8/28/2020</a:t>
             </a:fld>
             <a:endParaRPr lang="en-US" dirty="0"/>
           </a:p>
@@ -4528,7 +4528,7 @@
             <a:fld id="{B61BEF0D-F0BB-DE4B-95CE-6DB70DBA9567}" type="datetimeFigureOut">
               <a:rPr lang="en-US" dirty="0"/>
               <a:pPr/>
-              <a:t>8/26/2020</a:t>
+              <a:t>8/28/2020</a:t>
             </a:fld>
             <a:endParaRPr lang="en-US" dirty="0"/>
           </a:p>
@@ -5268,7 +5268,7 @@
             <a:fld id="{B61BEF0D-F0BB-DE4B-95CE-6DB70DBA9567}" type="datetimeFigureOut">
               <a:rPr lang="en-US" dirty="0"/>
               <a:pPr/>
-              <a:t>8/26/2020</a:t>
+              <a:t>8/28/2020</a:t>
             </a:fld>
             <a:endParaRPr lang="en-US" dirty="0"/>
           </a:p>
@@ -6020,20 +6020,6 @@
           <a:p>
             <a:r>
               <a:rPr lang="en-US" dirty="0" smtClean="0"/>
-              <a:t>Visual Studio </a:t>
-            </a:r>
-            <a:r>
-              <a:rPr lang="en-US" dirty="0"/>
-              <a:t>Code and AWS Toolkit for Visual Studio </a:t>
-            </a:r>
-            <a:r>
-              <a:rPr lang="en-US" dirty="0" smtClean="0"/>
-              <a:t>Code</a:t>
-            </a:r>
-          </a:p>
-          <a:p>
-            <a:r>
-              <a:rPr lang="en-US" dirty="0"/>
               <a:t>AWS </a:t>
             </a:r>
             <a:r>
@@ -6259,28 +6245,16 @@
               <a:t> </a:t>
             </a:r>
             <a:r>
-              <a:rPr lang="en-US" dirty="0" err="1"/>
+              <a:rPr lang="en-US" dirty="0" err="1" smtClean="0"/>
               <a:t>aws</a:t>
             </a:r>
             <a:r>
-              <a:rPr lang="en-US" dirty="0"/>
+              <a:rPr lang="en-US" dirty="0" smtClean="0"/>
               <a:t>-lambda-tools-</a:t>
             </a:r>
             <a:r>
-              <a:rPr lang="en-US" dirty="0" err="1"/>
+              <a:rPr lang="en-US" dirty="0" err="1" smtClean="0"/>
               <a:t>defaults.json</a:t>
-            </a:r>
-            <a:r>
-              <a:rPr lang="en-US" dirty="0"/>
-              <a:t> -</a:t>
-            </a:r>
-            <a:r>
-              <a:rPr lang="en-US" dirty="0" err="1"/>
-              <a:t>pcfg</a:t>
-            </a:r>
-            <a:r>
-              <a:rPr lang="en-US" dirty="0"/>
-              <a:t> true</a:t>
             </a:r>
             <a:endParaRPr lang="en-US" dirty="0" smtClean="0"/>
           </a:p>
@@ -6429,8 +6403,8 @@
           <a:lstStyle/>
           <a:p>
             <a:r>
-              <a:rPr lang="en-US" dirty="0"/>
-              <a:t>Compare the S3 zip file and the publish folder</a:t>
+              <a:rPr lang="en-US" dirty="0" smtClean="0"/>
+              <a:t>Upload the code to S3</a:t>
             </a:r>
           </a:p>
         </p:txBody>
@@ -6653,23 +6627,13 @@
             </a:r>
             <a:r>
               <a:rPr lang="en-US" dirty="0"/>
-              <a:t>Toolkit for Visual Studio </a:t>
-            </a:r>
-            <a:r>
-              <a:rPr lang="en-US" dirty="0" smtClean="0"/>
-              <a:t>Code (</a:t>
+              <a:t>CLI (</a:t>
             </a:r>
             <a:r>
               <a:rPr lang="en-US" sz="1400" dirty="0">
                 <a:hlinkClick r:id="rId4"/>
               </a:rPr>
-              <a:t>https://aws.amazon.com/visualstudiocode</a:t>
-            </a:r>
-            <a:r>
-              <a:rPr lang="en-US" sz="1400" dirty="0" smtClean="0">
-                <a:hlinkClick r:id="rId4"/>
-              </a:rPr>
-              <a:t>/</a:t>
+              <a:t>https://docs.aws.amazon.com/cli/latest/userguide/cli-chap-install.html</a:t>
             </a:r>
             <a:r>
               <a:rPr lang="en-US" dirty="0" smtClean="0"/>
@@ -6679,27 +6643,11 @@
           <a:p>
             <a:r>
               <a:rPr lang="en-US" dirty="0"/>
-              <a:t>AWS CLI (</a:t>
+              <a:t>AWS Lambda for .NET Core (</a:t>
             </a:r>
             <a:r>
               <a:rPr lang="en-US" sz="1400" dirty="0">
                 <a:hlinkClick r:id="rId5"/>
-              </a:rPr>
-              <a:t>https://docs.aws.amazon.com/cli/latest/userguide/cli-chap-install.html</a:t>
-            </a:r>
-            <a:r>
-              <a:rPr lang="en-US" dirty="0" smtClean="0"/>
-              <a:t>)</a:t>
-            </a:r>
-          </a:p>
-          <a:p>
-            <a:r>
-              <a:rPr lang="en-US" dirty="0"/>
-              <a:t>AWS Lambda for .NET Core (</a:t>
-            </a:r>
-            <a:r>
-              <a:rPr lang="en-US" sz="1400" dirty="0">
-                <a:hlinkClick r:id="rId6"/>
               </a:rPr>
               <a:t>https://github.com/aws/aws-lambda-dotnet</a:t>
             </a:r>
